--- a/Aiken mid-point presentation.pptx
+++ b/Aiken mid-point presentation.pptx
@@ -4516,31 +4516,35 @@
           </a:p>
         </p:txBody>
       </p:sp>
-      <p:sp>
-        <p:nvSpPr>
-          <p:cNvPr id="3" name="Content Placeholder 2">
-            <a:extLst>
-              <a:ext uri="{FF2B5EF4-FFF2-40B4-BE49-F238E27FC236}">
-                <a16:creationId xmlns:a16="http://schemas.microsoft.com/office/drawing/2014/main" id="{6AEE74C7-B92F-0646-9983-00A358FFF0D3}"/>
-              </a:ext>
-            </a:extLst>
-          </p:cNvPr>
-          <p:cNvSpPr>
-            <a:spLocks noGrp="1"/>
-          </p:cNvSpPr>
+      <p:pic>
+        <p:nvPicPr>
+          <p:cNvPr id="5" name="Content Placeholder 4" descr="Map&#10;&#10;Description automatically generated">
+            <a:extLst>
+              <a:ext uri="{FF2B5EF4-FFF2-40B4-BE49-F238E27FC236}">
+                <a16:creationId xmlns:a16="http://schemas.microsoft.com/office/drawing/2014/main" id="{0A7D8732-4A02-B146-86E1-5D09EEE6AF1E}"/>
+              </a:ext>
+            </a:extLst>
+          </p:cNvPr>
+          <p:cNvPicPr>
+            <a:picLocks noGrp="1" noChangeAspect="1"/>
+          </p:cNvPicPr>
           <p:nvPr>
             <p:ph idx="1"/>
           </p:nvPr>
-        </p:nvSpPr>
-        <p:spPr/>
-        <p:txBody>
-          <a:bodyPr/>
-          <a:lstStyle/>
-          <a:p>
-            <a:endParaRPr lang="en-US"/>
-          </a:p>
-        </p:txBody>
-      </p:sp>
+        </p:nvPicPr>
+        <p:blipFill>
+          <a:blip r:embed="rId2"/>
+          <a:stretch>
+            <a:fillRect/>
+          </a:stretch>
+        </p:blipFill>
+        <p:spPr>
+          <a:xfrm>
+            <a:off x="2439846" y="1825625"/>
+            <a:ext cx="7312307" cy="4351338"/>
+          </a:xfrm>
+        </p:spPr>
+      </p:pic>
     </p:spTree>
     <p:extLst>
       <p:ext uri="{BB962C8B-B14F-4D97-AF65-F5344CB8AC3E}">
@@ -4767,7 +4771,7 @@
                   <a:schemeClr val="bg1"/>
                 </a:solidFill>
               </a:rPr>
-              <a:t>Poverty rates. </a:t>
+              <a:t>Poverty rates</a:t>
             </a:r>
           </a:p>
         </p:txBody>
